--- a/src/test/resources/table.pptx
+++ b/src/test/resources/table.pptx
@@ -3071,7 +3071,7 @@
       </p:grpSpPr>
       <p:graphicFrame>
         <p:nvGraphicFramePr>
-          <p:cNvPr id="4" name="表格 3"/>
+          <p:cNvPr id="4" name="表格 3" descr="#{ #tableA }"/>
           <p:cNvGraphicFramePr/>
           <p:nvPr>
             <p:custDataLst>
@@ -3080,14 +3080,14 @@
           </p:nvPr>
         </p:nvGraphicFramePr>
         <p:xfrm>
-          <a:off x="1828800" y="2667000"/>
-          <a:ext cx="8533765" cy="1524000"/>
+          <a:off x="1134745" y="365125"/>
+          <a:ext cx="8530590" cy="2286000"/>
         </p:xfrm>
         <a:graphic>
           <a:graphicData uri="http://schemas.openxmlformats.org/drawingml/2006/table">
             <a:tbl>
               <a:tblPr firstRow="1" bandRow="1">
-                <a:tableStyleId>{5C22544A-7EE6-4342-B048-85BDC9FD1C3A}</a:tableStyleId>
+                <a:tableStyleId>{93296810-A885-4BE3-A3E7-6D5BEEA58F35}</a:tableStyleId>
               </a:tblPr>
               <a:tblGrid>
                 <a:gridCol w="1421765"/>
@@ -3105,7 +3105,11 @@
                       <a:pPr>
                         <a:buNone/>
                       </a:pPr>
-                      <a:endParaRPr lang="zh-CN" altLang="en-US"/>
+                      <a:r>
+                        <a:rPr lang="en-US" altLang="zh-CN"/>
+                        <a:t>a</a:t>
+                      </a:r>
+                      <a:endParaRPr lang="en-US" altLang="zh-CN"/>
                     </a:p>
                   </a:txBody>
                   <a:tcPr/>
@@ -3117,7 +3121,11 @@
                       <a:pPr>
                         <a:buNone/>
                       </a:pPr>
-                      <a:endParaRPr lang="zh-CN" altLang="en-US"/>
+                      <a:r>
+                        <a:rPr lang="en-US" altLang="zh-CN"/>
+                        <a:t>b</a:t>
+                      </a:r>
+                      <a:endParaRPr lang="en-US" altLang="zh-CN"/>
                     </a:p>
                   </a:txBody>
                   <a:tcPr/>
@@ -3129,43 +3137,59 @@
                       <a:pPr>
                         <a:buNone/>
                       </a:pPr>
-                      <a:endParaRPr lang="zh-CN" altLang="en-US"/>
-                    </a:p>
-                  </a:txBody>
-                  <a:tcPr/>
-                </a:tc>
-                <a:tc>
-                  <a:txBody>
-                    <a:bodyPr/>
-                    <a:p>
-                      <a:pPr>
-                        <a:buNone/>
-                      </a:pPr>
-                      <a:endParaRPr lang="zh-CN" altLang="en-US"/>
-                    </a:p>
-                  </a:txBody>
-                  <a:tcPr/>
-                </a:tc>
-                <a:tc>
-                  <a:txBody>
-                    <a:bodyPr/>
-                    <a:p>
-                      <a:pPr>
-                        <a:buNone/>
-                      </a:pPr>
-                      <a:endParaRPr lang="zh-CN" altLang="en-US"/>
-                    </a:p>
-                  </a:txBody>
-                  <a:tcPr/>
-                </a:tc>
-                <a:tc>
-                  <a:txBody>
-                    <a:bodyPr/>
-                    <a:p>
-                      <a:pPr>
-                        <a:buNone/>
-                      </a:pPr>
-                      <a:endParaRPr lang="zh-CN" altLang="en-US"/>
+                      <a:r>
+                        <a:rPr lang="en-US" altLang="zh-CN"/>
+                        <a:t>c</a:t>
+                      </a:r>
+                      <a:endParaRPr lang="en-US" altLang="zh-CN"/>
+                    </a:p>
+                  </a:txBody>
+                  <a:tcPr/>
+                </a:tc>
+                <a:tc>
+                  <a:txBody>
+                    <a:bodyPr/>
+                    <a:p>
+                      <a:pPr algn="r">
+                        <a:buNone/>
+                      </a:pPr>
+                      <a:r>
+                        <a:rPr lang="en-US" altLang="zh-CN"/>
+                        <a:t>d</a:t>
+                      </a:r>
+                      <a:endParaRPr lang="en-US" altLang="zh-CN"/>
+                    </a:p>
+                  </a:txBody>
+                  <a:tcPr/>
+                </a:tc>
+                <a:tc>
+                  <a:txBody>
+                    <a:bodyPr/>
+                    <a:p>
+                      <a:pPr algn="r">
+                        <a:buNone/>
+                      </a:pPr>
+                      <a:r>
+                        <a:rPr lang="en-US" altLang="zh-CN"/>
+                        <a:t>e</a:t>
+                      </a:r>
+                      <a:endParaRPr lang="en-US" altLang="zh-CN"/>
+                    </a:p>
+                  </a:txBody>
+                  <a:tcPr/>
+                </a:tc>
+                <a:tc>
+                  <a:txBody>
+                    <a:bodyPr/>
+                    <a:p>
+                      <a:pPr algn="r">
+                        <a:buNone/>
+                      </a:pPr>
+                      <a:r>
+                        <a:rPr lang="en-US" altLang="zh-CN"/>
+                        <a:t>f</a:t>
+                      </a:r>
+                      <a:endParaRPr lang="en-US" altLang="zh-CN"/>
                     </a:p>
                   </a:txBody>
                   <a:tcPr/>
@@ -3179,6 +3203,38 @@
                       <a:pPr>
                         <a:buNone/>
                       </a:pPr>
+                      <a:r>
+                        <a:rPr lang="en-US" altLang="zh-CN"/>
+                        <a:t>a1</a:t>
+                      </a:r>
+                      <a:endParaRPr lang="en-US" altLang="zh-CN"/>
+                    </a:p>
+                  </a:txBody>
+                  <a:tcPr/>
+                </a:tc>
+                <a:tc>
+                  <a:txBody>
+                    <a:bodyPr/>
+                    <a:p>
+                      <a:pPr>
+                        <a:buNone/>
+                      </a:pPr>
+                      <a:r>
+                        <a:rPr lang="en-US" altLang="zh-CN"/>
+                        <a:t>b1</a:t>
+                      </a:r>
+                      <a:endParaRPr lang="en-US" altLang="zh-CN"/>
+                    </a:p>
+                  </a:txBody>
+                  <a:tcPr/>
+                </a:tc>
+                <a:tc>
+                  <a:txBody>
+                    <a:bodyPr/>
+                    <a:p>
+                      <a:pPr>
+                        <a:buNone/>
+                      </a:pPr>
                       <a:endParaRPr lang="zh-CN" altLang="en-US"/>
                     </a:p>
                   </a:txBody>
@@ -3188,58 +3244,62 @@
                   <a:txBody>
                     <a:bodyPr/>
                     <a:p>
-                      <a:pPr>
-                        <a:buNone/>
-                      </a:pPr>
-                      <a:endParaRPr lang="zh-CN" altLang="en-US"/>
-                    </a:p>
-                  </a:txBody>
-                  <a:tcPr/>
-                </a:tc>
-                <a:tc>
-                  <a:txBody>
-                    <a:bodyPr/>
-                    <a:p>
-                      <a:pPr>
-                        <a:buNone/>
-                      </a:pPr>
-                      <a:endParaRPr lang="zh-CN" altLang="en-US"/>
-                    </a:p>
-                  </a:txBody>
-                  <a:tcPr/>
-                </a:tc>
-                <a:tc>
-                  <a:txBody>
-                    <a:bodyPr/>
-                    <a:p>
-                      <a:pPr>
-                        <a:buNone/>
-                      </a:pPr>
-                      <a:endParaRPr lang="zh-CN" altLang="en-US"/>
-                    </a:p>
-                  </a:txBody>
-                  <a:tcPr/>
-                </a:tc>
-                <a:tc>
-                  <a:txBody>
-                    <a:bodyPr/>
-                    <a:p>
-                      <a:pPr>
-                        <a:buNone/>
-                      </a:pPr>
-                      <a:endParaRPr lang="zh-CN" altLang="en-US"/>
-                    </a:p>
-                  </a:txBody>
-                  <a:tcPr/>
-                </a:tc>
-                <a:tc>
-                  <a:txBody>
-                    <a:bodyPr/>
-                    <a:p>
-                      <a:pPr>
-                        <a:buNone/>
-                      </a:pPr>
-                      <a:endParaRPr lang="zh-CN" altLang="en-US"/>
+                      <a:pPr algn="r">
+                        <a:buNone/>
+                      </a:pPr>
+                      <a:r>
+                        <a:rPr lang="en-US" altLang="zh-CN" b="1">
+                          <a:solidFill>
+                            <a:srgbClr val="FF0000"/>
+                          </a:solidFill>
+                        </a:rPr>
+                        <a:t>d1</a:t>
+                      </a:r>
+                      <a:endParaRPr lang="en-US" altLang="zh-CN" b="1">
+                        <a:solidFill>
+                          <a:srgbClr val="FF0000"/>
+                        </a:solidFill>
+                      </a:endParaRPr>
+                    </a:p>
+                  </a:txBody>
+                  <a:tcPr/>
+                </a:tc>
+                <a:tc>
+                  <a:txBody>
+                    <a:bodyPr/>
+                    <a:p>
+                      <a:pPr algn="r">
+                        <a:buNone/>
+                      </a:pPr>
+                      <a:endParaRPr lang="zh-CN" altLang="en-US" b="1">
+                        <a:solidFill>
+                          <a:srgbClr val="FF0000"/>
+                        </a:solidFill>
+                      </a:endParaRPr>
+                    </a:p>
+                  </a:txBody>
+                  <a:tcPr/>
+                </a:tc>
+                <a:tc>
+                  <a:txBody>
+                    <a:bodyPr/>
+                    <a:p>
+                      <a:pPr algn="r">
+                        <a:buNone/>
+                      </a:pPr>
+                      <a:r>
+                        <a:rPr lang="en-US" altLang="zh-CN" b="1">
+                          <a:solidFill>
+                            <a:srgbClr val="FF0000"/>
+                          </a:solidFill>
+                        </a:rPr>
+                        <a:t>f1</a:t>
+                      </a:r>
+                      <a:endParaRPr lang="en-US" altLang="zh-CN" b="1">
+                        <a:solidFill>
+                          <a:srgbClr val="FF0000"/>
+                        </a:solidFill>
+                      </a:endParaRPr>
                     </a:p>
                   </a:txBody>
                   <a:tcPr/>
@@ -3253,6 +3313,38 @@
                       <a:pPr>
                         <a:buNone/>
                       </a:pPr>
+                      <a:r>
+                        <a:rPr lang="en-US" altLang="zh-CN"/>
+                        <a:t>a2</a:t>
+                      </a:r>
+                      <a:endParaRPr lang="en-US" altLang="zh-CN"/>
+                    </a:p>
+                  </a:txBody>
+                  <a:tcPr/>
+                </a:tc>
+                <a:tc>
+                  <a:txBody>
+                    <a:bodyPr/>
+                    <a:p>
+                      <a:pPr>
+                        <a:buNone/>
+                      </a:pPr>
+                      <a:r>
+                        <a:rPr lang="en-US" altLang="zh-CN"/>
+                        <a:t>b2</a:t>
+                      </a:r>
+                      <a:endParaRPr lang="en-US" altLang="zh-CN"/>
+                    </a:p>
+                  </a:txBody>
+                  <a:tcPr/>
+                </a:tc>
+                <a:tc>
+                  <a:txBody>
+                    <a:bodyPr/>
+                    <a:p>
+                      <a:pPr>
+                        <a:buNone/>
+                      </a:pPr>
                       <a:endParaRPr lang="zh-CN" altLang="en-US"/>
                     </a:p>
                   </a:txBody>
@@ -3262,58 +3354,62 @@
                   <a:txBody>
                     <a:bodyPr/>
                     <a:p>
-                      <a:pPr>
-                        <a:buNone/>
-                      </a:pPr>
-                      <a:endParaRPr lang="zh-CN" altLang="en-US"/>
-                    </a:p>
-                  </a:txBody>
-                  <a:tcPr/>
-                </a:tc>
-                <a:tc>
-                  <a:txBody>
-                    <a:bodyPr/>
-                    <a:p>
-                      <a:pPr>
-                        <a:buNone/>
-                      </a:pPr>
-                      <a:endParaRPr lang="zh-CN" altLang="en-US"/>
-                    </a:p>
-                  </a:txBody>
-                  <a:tcPr/>
-                </a:tc>
-                <a:tc>
-                  <a:txBody>
-                    <a:bodyPr/>
-                    <a:p>
-                      <a:pPr>
-                        <a:buNone/>
-                      </a:pPr>
-                      <a:endParaRPr lang="zh-CN" altLang="en-US"/>
-                    </a:p>
-                  </a:txBody>
-                  <a:tcPr/>
-                </a:tc>
-                <a:tc>
-                  <a:txBody>
-                    <a:bodyPr/>
-                    <a:p>
-                      <a:pPr>
-                        <a:buNone/>
-                      </a:pPr>
-                      <a:endParaRPr lang="zh-CN" altLang="en-US"/>
-                    </a:p>
-                  </a:txBody>
-                  <a:tcPr/>
-                </a:tc>
-                <a:tc>
-                  <a:txBody>
-                    <a:bodyPr/>
-                    <a:p>
-                      <a:pPr>
-                        <a:buNone/>
-                      </a:pPr>
-                      <a:endParaRPr lang="zh-CN" altLang="en-US"/>
+                      <a:pPr algn="r">
+                        <a:buNone/>
+                      </a:pPr>
+                      <a:r>
+                        <a:rPr lang="en-US" altLang="zh-CN" b="1">
+                          <a:solidFill>
+                            <a:srgbClr val="FF0000"/>
+                          </a:solidFill>
+                        </a:rPr>
+                        <a:t>d2</a:t>
+                      </a:r>
+                      <a:endParaRPr lang="en-US" altLang="zh-CN" b="1">
+                        <a:solidFill>
+                          <a:srgbClr val="FF0000"/>
+                        </a:solidFill>
+                      </a:endParaRPr>
+                    </a:p>
+                  </a:txBody>
+                  <a:tcPr/>
+                </a:tc>
+                <a:tc>
+                  <a:txBody>
+                    <a:bodyPr/>
+                    <a:p>
+                      <a:pPr algn="r">
+                        <a:buNone/>
+                      </a:pPr>
+                      <a:endParaRPr lang="zh-CN" altLang="en-US" b="1">
+                        <a:solidFill>
+                          <a:srgbClr val="FF0000"/>
+                        </a:solidFill>
+                      </a:endParaRPr>
+                    </a:p>
+                  </a:txBody>
+                  <a:tcPr/>
+                </a:tc>
+                <a:tc>
+                  <a:txBody>
+                    <a:bodyPr/>
+                    <a:p>
+                      <a:pPr algn="r">
+                        <a:buNone/>
+                      </a:pPr>
+                      <a:r>
+                        <a:rPr lang="en-US" altLang="zh-CN" b="1">
+                          <a:solidFill>
+                            <a:srgbClr val="FF0000"/>
+                          </a:solidFill>
+                        </a:rPr>
+                        <a:t>f2</a:t>
+                      </a:r>
+                      <a:endParaRPr lang="en-US" altLang="zh-CN" b="1">
+                        <a:solidFill>
+                          <a:srgbClr val="FF0000"/>
+                        </a:solidFill>
+                      </a:endParaRPr>
                     </a:p>
                   </a:txBody>
                   <a:tcPr/>
@@ -3327,6 +3423,38 @@
                       <a:pPr>
                         <a:buNone/>
                       </a:pPr>
+                      <a:r>
+                        <a:rPr lang="en-US" altLang="zh-CN"/>
+                        <a:t>a3</a:t>
+                      </a:r>
+                      <a:endParaRPr lang="en-US" altLang="zh-CN"/>
+                    </a:p>
+                  </a:txBody>
+                  <a:tcPr/>
+                </a:tc>
+                <a:tc>
+                  <a:txBody>
+                    <a:bodyPr/>
+                    <a:p>
+                      <a:pPr>
+                        <a:buNone/>
+                      </a:pPr>
+                      <a:r>
+                        <a:rPr lang="en-US" altLang="zh-CN"/>
+                        <a:t>b3</a:t>
+                      </a:r>
+                      <a:endParaRPr lang="en-US" altLang="zh-CN"/>
+                    </a:p>
+                  </a:txBody>
+                  <a:tcPr/>
+                </a:tc>
+                <a:tc>
+                  <a:txBody>
+                    <a:bodyPr/>
+                    <a:p>
+                      <a:pPr>
+                        <a:buNone/>
+                      </a:pPr>
                       <a:endParaRPr lang="zh-CN" altLang="en-US"/>
                     </a:p>
                   </a:txBody>
@@ -3336,9 +3464,103 @@
                   <a:txBody>
                     <a:bodyPr/>
                     <a:p>
+                      <a:pPr algn="r">
+                        <a:buNone/>
+                      </a:pPr>
+                      <a:r>
+                        <a:rPr lang="en-US" altLang="zh-CN" b="1">
+                          <a:solidFill>
+                            <a:srgbClr val="FF0000"/>
+                          </a:solidFill>
+                        </a:rPr>
+                        <a:t>d3</a:t>
+                      </a:r>
+                      <a:endParaRPr lang="en-US" altLang="zh-CN" b="1">
+                        <a:solidFill>
+                          <a:srgbClr val="FF0000"/>
+                        </a:solidFill>
+                      </a:endParaRPr>
+                    </a:p>
+                  </a:txBody>
+                  <a:tcPr/>
+                </a:tc>
+                <a:tc>
+                  <a:txBody>
+                    <a:bodyPr/>
+                    <a:p>
+                      <a:pPr algn="r">
+                        <a:buNone/>
+                      </a:pPr>
+                      <a:endParaRPr lang="zh-CN" altLang="en-US" b="1">
+                        <a:solidFill>
+                          <a:srgbClr val="FF0000"/>
+                        </a:solidFill>
+                      </a:endParaRPr>
+                    </a:p>
+                  </a:txBody>
+                  <a:tcPr/>
+                </a:tc>
+                <a:tc>
+                  <a:txBody>
+                    <a:bodyPr/>
+                    <a:p>
+                      <a:pPr algn="r">
+                        <a:buNone/>
+                      </a:pPr>
+                      <a:r>
+                        <a:rPr lang="en-US" altLang="zh-CN" b="1">
+                          <a:solidFill>
+                            <a:srgbClr val="FF0000"/>
+                          </a:solidFill>
+                        </a:rPr>
+                        <a:t>f3</a:t>
+                      </a:r>
+                      <a:endParaRPr lang="en-US" altLang="zh-CN" b="1">
+                        <a:solidFill>
+                          <a:srgbClr val="FF0000"/>
+                        </a:solidFill>
+                      </a:endParaRPr>
+                    </a:p>
+                  </a:txBody>
+                  <a:tcPr/>
+                </a:tc>
+              </a:tr>
+              <a:tr h="381000">
+                <a:tc>
+                  <a:txBody>
+                    <a:bodyPr/>
+                    <a:p>
                       <a:pPr>
                         <a:buNone/>
                       </a:pPr>
+                      <a:r>
+                        <a:rPr lang="en-US" altLang="zh-CN"/>
+                        <a:t>a4</a:t>
+                      </a:r>
+                      <a:endParaRPr lang="en-US" altLang="zh-CN"/>
+                    </a:p>
+                  </a:txBody>
+                  <a:tcPr/>
+                </a:tc>
+                <a:tc>
+                  <a:txBody>
+                    <a:bodyPr/>
+                    <a:p>
+                      <a:pPr>
+                        <a:buNone/>
+                      </a:pPr>
+                      <a:endParaRPr lang="en-US" altLang="zh-CN"/>
+                    </a:p>
+                  </a:txBody>
+                  <a:tcPr/>
+                </a:tc>
+                <a:tc>
+                  <a:txBody>
+                    <a:bodyPr/>
+                    <a:p>
+                      <a:pPr>
+                        <a:buNone/>
+                      </a:pPr>
                       <a:endParaRPr lang="zh-CN" altLang="en-US"/>
                     </a:p>
                   </a:txBody>
@@ -3348,9 +3570,95 @@
                   <a:txBody>
                     <a:bodyPr/>
                     <a:p>
+                      <a:pPr algn="r">
+                        <a:buNone/>
+                      </a:pPr>
+                      <a:r>
+                        <a:rPr lang="en-US" altLang="zh-CN" b="1">
+                          <a:solidFill>
+                            <a:srgbClr val="FF0000"/>
+                          </a:solidFill>
+                        </a:rPr>
+                        <a:t>d4</a:t>
+                      </a:r>
+                      <a:endParaRPr lang="en-US" altLang="zh-CN" b="1">
+                        <a:solidFill>
+                          <a:srgbClr val="FF0000"/>
+                        </a:solidFill>
+                      </a:endParaRPr>
+                    </a:p>
+                  </a:txBody>
+                  <a:tcPr/>
+                </a:tc>
+                <a:tc>
+                  <a:txBody>
+                    <a:bodyPr/>
+                    <a:p>
+                      <a:pPr algn="r">
+                        <a:buNone/>
+                      </a:pPr>
+                      <a:endParaRPr lang="zh-CN" altLang="en-US" b="1">
+                        <a:solidFill>
+                          <a:srgbClr val="FF0000"/>
+                        </a:solidFill>
+                      </a:endParaRPr>
+                    </a:p>
+                  </a:txBody>
+                  <a:tcPr/>
+                </a:tc>
+                <a:tc>
+                  <a:txBody>
+                    <a:bodyPr/>
+                    <a:p>
+                      <a:pPr algn="r">
+                        <a:buNone/>
+                      </a:pPr>
+                      <a:endParaRPr lang="en-US" altLang="zh-CN" b="1">
+                        <a:solidFill>
+                          <a:srgbClr val="FF0000"/>
+                        </a:solidFill>
+                      </a:endParaRPr>
+                    </a:p>
+                  </a:txBody>
+                  <a:tcPr/>
+                </a:tc>
+              </a:tr>
+              <a:tr h="381000">
+                <a:tc>
+                  <a:txBody>
+                    <a:bodyPr/>
+                    <a:p>
                       <a:pPr>
                         <a:buNone/>
                       </a:pPr>
+                      <a:r>
+                        <a:rPr lang="en-US" altLang="zh-CN"/>
+                        <a:t>a5</a:t>
+                      </a:r>
+                      <a:endParaRPr lang="en-US" altLang="zh-CN"/>
+                    </a:p>
+                  </a:txBody>
+                  <a:tcPr/>
+                </a:tc>
+                <a:tc>
+                  <a:txBody>
+                    <a:bodyPr/>
+                    <a:p>
+                      <a:pPr>
+                        <a:buNone/>
+                      </a:pPr>
+                      <a:endParaRPr lang="en-US" altLang="zh-CN"/>
+                    </a:p>
+                  </a:txBody>
+                  <a:tcPr/>
+                </a:tc>
+                <a:tc>
+                  <a:txBody>
+                    <a:bodyPr/>
+                    <a:p>
+                      <a:pPr>
+                        <a:buNone/>
+                      </a:pPr>
                       <a:endParaRPr lang="zh-CN" altLang="en-US"/>
                     </a:p>
                   </a:txBody>
@@ -3360,9 +3668,209 @@
                   <a:txBody>
                     <a:bodyPr/>
                     <a:p>
+                      <a:pPr algn="r">
+                        <a:buNone/>
+                      </a:pPr>
+                      <a:r>
+                        <a:rPr lang="en-US" altLang="zh-CN" b="1">
+                          <a:solidFill>
+                            <a:srgbClr val="FF0000"/>
+                          </a:solidFill>
+                        </a:rPr>
+                        <a:t>d5</a:t>
+                      </a:r>
+                      <a:endParaRPr lang="en-US" altLang="zh-CN" b="1">
+                        <a:solidFill>
+                          <a:srgbClr val="FF0000"/>
+                        </a:solidFill>
+                      </a:endParaRPr>
+                    </a:p>
+                  </a:txBody>
+                  <a:tcPr/>
+                </a:tc>
+                <a:tc>
+                  <a:txBody>
+                    <a:bodyPr/>
+                    <a:p>
+                      <a:pPr algn="r">
+                        <a:buNone/>
+                      </a:pPr>
+                      <a:endParaRPr lang="zh-CN" altLang="en-US" b="1">
+                        <a:solidFill>
+                          <a:srgbClr val="FF0000"/>
+                        </a:solidFill>
+                      </a:endParaRPr>
+                    </a:p>
+                  </a:txBody>
+                  <a:tcPr/>
+                </a:tc>
+                <a:tc>
+                  <a:txBody>
+                    <a:bodyPr/>
+                    <a:p>
+                      <a:pPr algn="r">
+                        <a:buNone/>
+                      </a:pPr>
+                      <a:endParaRPr lang="en-US" altLang="zh-CN" b="1">
+                        <a:solidFill>
+                          <a:srgbClr val="FF0000"/>
+                        </a:solidFill>
+                      </a:endParaRPr>
+                    </a:p>
+                  </a:txBody>
+                  <a:tcPr/>
+                </a:tc>
+              </a:tr>
+            </a:tbl>
+          </a:graphicData>
+        </a:graphic>
+      </p:graphicFrame>
+      <p:graphicFrame>
+        <p:nvGraphicFramePr>
+          <p:cNvPr id="2" name="表格 1" descr="#{ #tableB }"/>
+          <p:cNvGraphicFramePr/>
+          <p:nvPr>
+            <p:custDataLst>
+              <p:tags r:id="rId2"/>
+            </p:custDataLst>
+          </p:nvPr>
+        </p:nvGraphicFramePr>
+        <p:xfrm>
+          <a:off x="1191895" y="3392170"/>
+          <a:ext cx="8408670" cy="2293620"/>
+        </p:xfrm>
+        <a:graphic>
+          <a:graphicData uri="http://schemas.openxmlformats.org/drawingml/2006/table">
+            <a:tbl>
+              <a:tblPr firstCol="1" bandRow="1">
+                <a:tableStyleId>{00A15C55-8517-42AA-B614-E9B94910E393}</a:tableStyleId>
+              </a:tblPr>
+              <a:tblGrid>
+                <a:gridCol w="1401445"/>
+                <a:gridCol w="1401445"/>
+                <a:gridCol w="1401445"/>
+                <a:gridCol w="1401445"/>
+                <a:gridCol w="1401445"/>
+                <a:gridCol w="1401445"/>
+              </a:tblGrid>
+              <a:tr h="382270">
+                <a:tc>
+                  <a:txBody>
+                    <a:bodyPr/>
+                    <a:p>
                       <a:pPr>
                         <a:buNone/>
                       </a:pPr>
+                      <a:r>
+                        <a:rPr lang="en-US" altLang="zh-CN"/>
+                        <a:t>A</a:t>
+                      </a:r>
+                      <a:endParaRPr lang="en-US" altLang="zh-CN"/>
+                    </a:p>
+                  </a:txBody>
+                  <a:tcPr/>
+                </a:tc>
+                <a:tc>
+                  <a:txBody>
+                    <a:bodyPr/>
+                    <a:p>
+                      <a:pPr>
+                        <a:buNone/>
+                      </a:pPr>
+                      <a:endParaRPr lang="en-US" altLang="zh-CN"/>
+                    </a:p>
+                  </a:txBody>
+                  <a:tcPr/>
+                </a:tc>
+                <a:tc>
+                  <a:txBody>
+                    <a:bodyPr/>
+                    <a:p>
+                      <a:pPr>
+                        <a:buNone/>
+                      </a:pPr>
+                      <a:r>
+                        <a:rPr lang="en-US" altLang="zh-CN"/>
+                        <a:t>A2</a:t>
+                      </a:r>
+                      <a:endParaRPr lang="en-US" altLang="zh-CN"/>
+                    </a:p>
+                  </a:txBody>
+                  <a:tcPr/>
+                </a:tc>
+                <a:tc>
+                  <a:txBody>
+                    <a:bodyPr/>
+                    <a:p>
+                      <a:pPr algn="r">
+                        <a:buNone/>
+                      </a:pPr>
+                      <a:endParaRPr lang="en-US" altLang="zh-CN">
+                        <a:solidFill>
+                          <a:srgbClr val="FF0000"/>
+                        </a:solidFill>
+                      </a:endParaRPr>
+                    </a:p>
+                  </a:txBody>
+                  <a:tcPr/>
+                </a:tc>
+                <a:tc>
+                  <a:txBody>
+                    <a:bodyPr/>
+                    <a:p>
+                      <a:pPr algn="r">
+                        <a:buNone/>
+                      </a:pPr>
+                      <a:endParaRPr lang="en-US" altLang="zh-CN">
+                        <a:solidFill>
+                          <a:srgbClr val="FF0000"/>
+                        </a:solidFill>
+                      </a:endParaRPr>
+                    </a:p>
+                  </a:txBody>
+                  <a:tcPr/>
+                </a:tc>
+                <a:tc>
+                  <a:txBody>
+                    <a:bodyPr/>
+                    <a:p>
+                      <a:pPr algn="r">
+                        <a:buNone/>
+                      </a:pPr>
+                      <a:endParaRPr lang="en-US" altLang="zh-CN">
+                        <a:solidFill>
+                          <a:srgbClr val="FF0000"/>
+                        </a:solidFill>
+                      </a:endParaRPr>
+                    </a:p>
+                  </a:txBody>
+                  <a:tcPr/>
+                </a:tc>
+              </a:tr>
+              <a:tr h="382270">
+                <a:tc>
+                  <a:txBody>
+                    <a:bodyPr/>
+                    <a:p>
+                      <a:pPr>
+                        <a:buNone/>
+                      </a:pPr>
+                      <a:r>
+                        <a:rPr lang="en-US" altLang="zh-CN"/>
+                        <a:t>B</a:t>
+                      </a:r>
+                      <a:endParaRPr lang="en-US" altLang="zh-CN"/>
+                    </a:p>
+                  </a:txBody>
+                  <a:tcPr/>
+                </a:tc>
+                <a:tc>
+                  <a:txBody>
+                    <a:bodyPr/>
+                    <a:p>
+                      <a:pPr>
+                        <a:buNone/>
+                      </a:pPr>
                       <a:endParaRPr lang="zh-CN" altLang="en-US"/>
                     </a:p>
                   </a:txBody>
@@ -3375,6 +3883,88 @@
                       <a:pPr>
                         <a:buNone/>
                       </a:pPr>
+                      <a:r>
+                        <a:rPr lang="en-US" altLang="zh-CN"/>
+                        <a:t>B2</a:t>
+                      </a:r>
+                      <a:endParaRPr lang="en-US" altLang="zh-CN"/>
+                    </a:p>
+                  </a:txBody>
+                  <a:tcPr/>
+                </a:tc>
+                <a:tc>
+                  <a:txBody>
+                    <a:bodyPr/>
+                    <a:p>
+                      <a:pPr algn="r">
+                        <a:buNone/>
+                      </a:pPr>
+                      <a:endParaRPr lang="zh-CN" altLang="en-US">
+                        <a:solidFill>
+                          <a:srgbClr val="FF0000"/>
+                        </a:solidFill>
+                      </a:endParaRPr>
+                    </a:p>
+                  </a:txBody>
+                  <a:tcPr/>
+                </a:tc>
+                <a:tc>
+                  <a:txBody>
+                    <a:bodyPr/>
+                    <a:p>
+                      <a:pPr algn="r">
+                        <a:buNone/>
+                      </a:pPr>
+                      <a:endParaRPr lang="zh-CN" altLang="en-US">
+                        <a:solidFill>
+                          <a:srgbClr val="FF0000"/>
+                        </a:solidFill>
+                      </a:endParaRPr>
+                    </a:p>
+                  </a:txBody>
+                  <a:tcPr/>
+                </a:tc>
+                <a:tc>
+                  <a:txBody>
+                    <a:bodyPr/>
+                    <a:p>
+                      <a:pPr algn="r">
+                        <a:buNone/>
+                      </a:pPr>
+                      <a:endParaRPr lang="zh-CN" altLang="en-US">
+                        <a:solidFill>
+                          <a:srgbClr val="FF0000"/>
+                        </a:solidFill>
+                      </a:endParaRPr>
+                    </a:p>
+                  </a:txBody>
+                  <a:tcPr/>
+                </a:tc>
+              </a:tr>
+              <a:tr h="382270">
+                <a:tc>
+                  <a:txBody>
+                    <a:bodyPr/>
+                    <a:p>
+                      <a:pPr>
+                        <a:buNone/>
+                      </a:pPr>
+                      <a:r>
+                        <a:rPr lang="en-US" altLang="zh-CN"/>
+                        <a:t>C</a:t>
+                      </a:r>
+                      <a:endParaRPr lang="en-US" altLang="zh-CN"/>
+                    </a:p>
+                  </a:txBody>
+                  <a:tcPr/>
+                </a:tc>
+                <a:tc>
+                  <a:txBody>
+                    <a:bodyPr/>
+                    <a:p>
+                      <a:pPr>
+                        <a:buNone/>
+                      </a:pPr>
                       <a:endParaRPr lang="zh-CN" altLang="en-US"/>
                     </a:p>
                   </a:txBody>
@@ -3387,7 +3977,377 @@
                       <a:pPr>
                         <a:buNone/>
                       </a:pPr>
+                      <a:r>
+                        <a:rPr lang="en-US" altLang="zh-CN"/>
+                        <a:t>C2</a:t>
+                      </a:r>
+                      <a:endParaRPr lang="en-US" altLang="zh-CN"/>
+                    </a:p>
+                  </a:txBody>
+                  <a:tcPr/>
+                </a:tc>
+                <a:tc>
+                  <a:txBody>
+                    <a:bodyPr/>
+                    <a:p>
+                      <a:pPr algn="r">
+                        <a:buNone/>
+                      </a:pPr>
+                      <a:endParaRPr lang="zh-CN" altLang="en-US">
+                        <a:solidFill>
+                          <a:srgbClr val="FF0000"/>
+                        </a:solidFill>
+                      </a:endParaRPr>
+                    </a:p>
+                  </a:txBody>
+                  <a:tcPr/>
+                </a:tc>
+                <a:tc>
+                  <a:txBody>
+                    <a:bodyPr/>
+                    <a:p>
+                      <a:pPr algn="r">
+                        <a:buNone/>
+                      </a:pPr>
+                      <a:endParaRPr lang="zh-CN" altLang="en-US">
+                        <a:solidFill>
+                          <a:srgbClr val="FF0000"/>
+                        </a:solidFill>
+                      </a:endParaRPr>
+                    </a:p>
+                  </a:txBody>
+                  <a:tcPr/>
+                </a:tc>
+                <a:tc>
+                  <a:txBody>
+                    <a:bodyPr/>
+                    <a:p>
+                      <a:pPr algn="r">
+                        <a:buNone/>
+                      </a:pPr>
+                      <a:endParaRPr lang="zh-CN" altLang="en-US">
+                        <a:solidFill>
+                          <a:srgbClr val="FF0000"/>
+                        </a:solidFill>
+                      </a:endParaRPr>
+                    </a:p>
+                  </a:txBody>
+                  <a:tcPr/>
+                </a:tc>
+              </a:tr>
+              <a:tr h="382270">
+                <a:tc>
+                  <a:txBody>
+                    <a:bodyPr/>
+                    <a:p>
+                      <a:pPr>
+                        <a:buNone/>
+                      </a:pPr>
+                      <a:r>
+                        <a:rPr lang="en-US" altLang="zh-CN"/>
+                        <a:t>D</a:t>
+                      </a:r>
+                      <a:endParaRPr lang="en-US" altLang="zh-CN"/>
+                    </a:p>
+                  </a:txBody>
+                  <a:tcPr/>
+                </a:tc>
+                <a:tc>
+                  <a:txBody>
+                    <a:bodyPr/>
+                    <a:p>
+                      <a:pPr>
+                        <a:buNone/>
+                      </a:pPr>
                       <a:endParaRPr lang="zh-CN" altLang="en-US"/>
+                    </a:p>
+                  </a:txBody>
+                  <a:tcPr/>
+                </a:tc>
+                <a:tc>
+                  <a:txBody>
+                    <a:bodyPr/>
+                    <a:p>
+                      <a:pPr algn="r">
+                        <a:buNone/>
+                      </a:pPr>
+                      <a:r>
+                        <a:rPr lang="en-US" altLang="zh-CN">
+                          <a:solidFill>
+                            <a:schemeClr val="accent6"/>
+                          </a:solidFill>
+                        </a:rPr>
+                        <a:t>D2</a:t>
+                      </a:r>
+                      <a:endParaRPr lang="en-US" altLang="zh-CN">
+                        <a:solidFill>
+                          <a:schemeClr val="accent6"/>
+                        </a:solidFill>
+                      </a:endParaRPr>
+                    </a:p>
+                  </a:txBody>
+                  <a:tcPr/>
+                </a:tc>
+                <a:tc>
+                  <a:txBody>
+                    <a:bodyPr/>
+                    <a:p>
+                      <a:pPr algn="r">
+                        <a:buNone/>
+                      </a:pPr>
+                      <a:endParaRPr lang="zh-CN" altLang="en-US">
+                        <a:solidFill>
+                          <a:schemeClr val="accent6"/>
+                        </a:solidFill>
+                      </a:endParaRPr>
+                    </a:p>
+                  </a:txBody>
+                  <a:tcPr/>
+                </a:tc>
+                <a:tc>
+                  <a:txBody>
+                    <a:bodyPr/>
+                    <a:p>
+                      <a:pPr algn="r">
+                        <a:buNone/>
+                      </a:pPr>
+                      <a:endParaRPr lang="zh-CN" altLang="en-US">
+                        <a:solidFill>
+                          <a:schemeClr val="accent6"/>
+                        </a:solidFill>
+                      </a:endParaRPr>
+                    </a:p>
+                  </a:txBody>
+                  <a:tcPr/>
+                </a:tc>
+                <a:tc>
+                  <a:txBody>
+                    <a:bodyPr/>
+                    <a:p>
+                      <a:pPr algn="r">
+                        <a:buNone/>
+                      </a:pPr>
+                      <a:endParaRPr lang="zh-CN" altLang="en-US">
+                        <a:solidFill>
+                          <a:schemeClr val="accent6"/>
+                        </a:solidFill>
+                      </a:endParaRPr>
+                    </a:p>
+                  </a:txBody>
+                  <a:tcPr/>
+                </a:tc>
+              </a:tr>
+              <a:tr h="382270">
+                <a:tc>
+                  <a:txBody>
+                    <a:bodyPr/>
+                    <a:p>
+                      <a:pPr>
+                        <a:buNone/>
+                      </a:pPr>
+                      <a:r>
+                        <a:rPr lang="en-US" altLang="zh-CN"/>
+                        <a:t>E</a:t>
+                      </a:r>
+                      <a:endParaRPr lang="en-US" altLang="zh-CN"/>
+                    </a:p>
+                  </a:txBody>
+                  <a:tcPr/>
+                </a:tc>
+                <a:tc>
+                  <a:txBody>
+                    <a:bodyPr/>
+                    <a:p>
+                      <a:pPr>
+                        <a:buNone/>
+                      </a:pPr>
+                      <a:endParaRPr lang="zh-CN" altLang="en-US"/>
+                    </a:p>
+                  </a:txBody>
+                  <a:tcPr/>
+                </a:tc>
+                <a:tc>
+                  <a:txBody>
+                    <a:bodyPr/>
+                    <a:p>
+                      <a:pPr algn="r">
+                        <a:buNone/>
+                      </a:pPr>
+                      <a:r>
+                        <a:rPr lang="en-US" altLang="zh-CN">
+                          <a:solidFill>
+                            <a:schemeClr val="accent6"/>
+                          </a:solidFill>
+                        </a:rPr>
+                        <a:t>E2</a:t>
+                      </a:r>
+                      <a:endParaRPr lang="en-US" altLang="zh-CN">
+                        <a:solidFill>
+                          <a:schemeClr val="accent6"/>
+                        </a:solidFill>
+                      </a:endParaRPr>
+                    </a:p>
+                  </a:txBody>
+                  <a:tcPr/>
+                </a:tc>
+                <a:tc>
+                  <a:txBody>
+                    <a:bodyPr/>
+                    <a:p>
+                      <a:pPr algn="r">
+                        <a:buNone/>
+                      </a:pPr>
+                      <a:endParaRPr lang="zh-CN" altLang="en-US">
+                        <a:solidFill>
+                          <a:schemeClr val="accent6"/>
+                        </a:solidFill>
+                      </a:endParaRPr>
+                    </a:p>
+                  </a:txBody>
+                  <a:tcPr/>
+                </a:tc>
+                <a:tc>
+                  <a:txBody>
+                    <a:bodyPr/>
+                    <a:p>
+                      <a:pPr algn="r">
+                        <a:buNone/>
+                      </a:pPr>
+                      <a:endParaRPr lang="zh-CN" altLang="en-US">
+                        <a:solidFill>
+                          <a:schemeClr val="accent6"/>
+                        </a:solidFill>
+                      </a:endParaRPr>
+                    </a:p>
+                  </a:txBody>
+                  <a:tcPr/>
+                </a:tc>
+                <a:tc>
+                  <a:txBody>
+                    <a:bodyPr/>
+                    <a:p>
+                      <a:pPr algn="r">
+                        <a:buNone/>
+                      </a:pPr>
+                      <a:endParaRPr lang="zh-CN" altLang="en-US">
+                        <a:solidFill>
+                          <a:schemeClr val="accent6"/>
+                        </a:solidFill>
+                      </a:endParaRPr>
+                    </a:p>
+                  </a:txBody>
+                  <a:tcPr/>
+                </a:tc>
+              </a:tr>
+              <a:tr h="382270">
+                <a:tc>
+                  <a:txBody>
+                    <a:bodyPr/>
+                    <a:p>
+                      <a:pPr>
+                        <a:buNone/>
+                      </a:pPr>
+                      <a:r>
+                        <a:rPr lang="en-US" altLang="zh-CN"/>
+                        <a:t>F</a:t>
+                      </a:r>
+                      <a:endParaRPr lang="en-US" altLang="zh-CN"/>
+                    </a:p>
+                  </a:txBody>
+                  <a:tcPr/>
+                </a:tc>
+                <a:tc>
+                  <a:txBody>
+                    <a:bodyPr/>
+                    <a:p>
+                      <a:pPr algn="ctr">
+                        <a:buNone/>
+                      </a:pPr>
+                      <a:endParaRPr lang="en-US" altLang="zh-CN">
+                        <a:solidFill>
+                          <a:srgbClr val="FF0000"/>
+                        </a:solidFill>
+                      </a:endParaRPr>
+                    </a:p>
+                  </a:txBody>
+                  <a:tcPr/>
+                </a:tc>
+                <a:tc>
+                  <a:txBody>
+                    <a:bodyPr/>
+                    <a:p>
+                      <a:pPr algn="r">
+                        <a:buNone/>
+                      </a:pPr>
+                      <a:r>
+                        <a:rPr lang="en-US" altLang="zh-CN">
+                          <a:solidFill>
+                            <a:schemeClr val="accent6"/>
+                          </a:solidFill>
+                        </a:rPr>
+                        <a:t>F2</a:t>
+                      </a:r>
+                      <a:endParaRPr lang="en-US" altLang="zh-CN">
+                        <a:solidFill>
+                          <a:schemeClr val="accent6"/>
+                        </a:solidFill>
+                      </a:endParaRPr>
+                    </a:p>
+                  </a:txBody>
+                  <a:tcPr/>
+                </a:tc>
+                <a:tc>
+                  <a:txBody>
+                    <a:bodyPr/>
+                    <a:p>
+                      <a:pPr algn="r">
+                        <a:buNone/>
+                      </a:pPr>
+                      <a:endParaRPr lang="en-US" altLang="zh-CN">
+                        <a:solidFill>
+                          <a:schemeClr val="accent6"/>
+                        </a:solidFill>
+                      </a:endParaRPr>
+                    </a:p>
+                  </a:txBody>
+                  <a:tcPr/>
+                </a:tc>
+                <a:tc>
+                  <a:txBody>
+                    <a:bodyPr/>
+                    <a:p>
+                      <a:pPr algn="r">
+                        <a:buNone/>
+                      </a:pPr>
+                      <a:r>
+                        <a:rPr lang="en-US" altLang="zh-CN">
+                          <a:solidFill>
+                            <a:schemeClr val="accent6"/>
+                          </a:solidFill>
+                        </a:rPr>
+                        <a:t>F5</a:t>
+                      </a:r>
+                      <a:endParaRPr lang="en-US" altLang="zh-CN">
+                        <a:solidFill>
+                          <a:schemeClr val="accent6"/>
+                        </a:solidFill>
+                      </a:endParaRPr>
+                    </a:p>
+                  </a:txBody>
+                  <a:tcPr/>
+                </a:tc>
+                <a:tc>
+                  <a:txBody>
+                    <a:bodyPr/>
+                    <a:p>
+                      <a:pPr algn="r">
+                        <a:buNone/>
+                      </a:pPr>
+                      <a:endParaRPr lang="en-US" altLang="zh-CN">
+                        <a:solidFill>
+                          <a:schemeClr val="accent6"/>
+                        </a:solidFill>
+                      </a:endParaRPr>
                     </a:p>
                   </a:txBody>
                   <a:tcPr/>
@@ -3399,7 +4359,7 @@
       </p:graphicFrame>
     </p:spTree>
     <p:custDataLst>
-      <p:tags r:id="rId2"/>
+      <p:tags r:id="rId3"/>
     </p:custDataLst>
   </p:cSld>
   <p:clrMapOvr>
@@ -4187,6 +5147,14 @@
 </file>
 
 <file path=ppt/tags/tag64.xml><?xml version="1.0" encoding="utf-8"?>
+<p:tagLst xmlns:p="http://schemas.openxmlformats.org/presentationml/2006/main">
+  <p:tag name="KSO_WM_UNIT_TABLE_BEAUTIFY" val="smartTable{b5d9fb34-043d-4300-8bf1-0ad0494fc549}"/>
+  <p:tag name="TABLE_ENDDRAG_ORIGIN_RECT" val="661*180"/>
+  <p:tag name="TABLE_ENDDRAG_RECT" val="93*267*661*180"/>
+</p:tagLst>
+</file>
+
+<file path=ppt/tags/tag65.xml><?xml version="1.0" encoding="utf-8"?>
 <p:tagLst xmlns:p="http://schemas.openxmlformats.org/presentationml/2006/main">
   <p:tag name="KSO_WM_SLIDE_ID" val="custom20205176_1"/>
   <p:tag name="KSO_WM_TEMPLATE_SUBCATEGORY" val="19"/>
@@ -4207,9 +5175,9 @@
 </p:tagLst>
 </file>
 
-<file path=ppt/tags/tag65.xml><?xml version="1.0" encoding="utf-8"?>
-<p:tagLst xmlns:p="http://schemas.openxmlformats.org/presentationml/2006/main">
-  <p:tag name="COMMONDATA" val="eyJoZGlkIjoiMmYyM2FkNjIwN2U1MjdmZWY0NjVjYTUzNDNlYzlhZmEifQ=="/>
+<file path=ppt/tags/tag66.xml><?xml version="1.0" encoding="utf-8"?>
+<p:tagLst xmlns:p="http://schemas.openxmlformats.org/presentationml/2006/main">
+  <p:tag name="COMMONDATA" val="eyJoZGlkIjoiYjBiNDk5NDhjYTE0ZDkzNWI1ODg5ZmM3NWQwODVjMDAifQ=="/>
 </p:tagLst>
 </file>
 

--- a/src/test/resources/table.pptx
+++ b/src/test/resources/table.pptx
@@ -3081,7 +3081,7 @@
         </p:nvGraphicFramePr>
         <p:xfrm>
           <a:off x="1134745" y="365125"/>
-          <a:ext cx="8530590" cy="2286000"/>
+          <a:ext cx="6083300" cy="2225040"/>
         </p:xfrm>
         <a:graphic>
           <a:graphicData uri="http://schemas.openxmlformats.org/drawingml/2006/table">
@@ -3090,14 +3090,12 @@
                 <a:tableStyleId>{93296810-A885-4BE3-A3E7-6D5BEEA58F35}</a:tableStyleId>
               </a:tblPr>
               <a:tblGrid>
-                <a:gridCol w="1421765"/>
-                <a:gridCol w="1421765"/>
-                <a:gridCol w="1421765"/>
-                <a:gridCol w="1421765"/>
-                <a:gridCol w="1421765"/>
-                <a:gridCol w="1421765"/>
+                <a:gridCol w="1520825"/>
+                <a:gridCol w="1520825"/>
+                <a:gridCol w="1520825"/>
+                <a:gridCol w="1520825"/>
               </a:tblGrid>
-              <a:tr h="381000">
+              <a:tr h="556260">
                 <a:tc>
                   <a:txBody>
                     <a:bodyPr/>
@@ -3106,10 +3104,10 @@
                         <a:buNone/>
                       </a:pPr>
                       <a:r>
-                        <a:rPr lang="en-US" altLang="zh-CN"/>
-                        <a:t>a</a:t>
+                        <a:rPr lang="zh-CN" altLang="en-US"/>
+                        <a:t>商品</a:t>
                       </a:r>
-                      <a:endParaRPr lang="en-US" altLang="zh-CN"/>
+                      <a:endParaRPr lang="zh-CN" altLang="en-US"/>
                     </a:p>
                   </a:txBody>
                   <a:tcPr/>
@@ -3122,10 +3120,10 @@
                         <a:buNone/>
                       </a:pPr>
                       <a:r>
-                        <a:rPr lang="en-US" altLang="zh-CN"/>
-                        <a:t>b</a:t>
+                        <a:rPr lang="zh-CN" altLang="en-US"/>
+                        <a:t>前年</a:t>
                       </a:r>
-                      <a:endParaRPr lang="en-US" altLang="zh-CN"/>
+                      <a:endParaRPr lang="zh-CN" altLang="en-US"/>
                     </a:p>
                   </a:txBody>
                   <a:tcPr/>
@@ -3138,103 +3136,9 @@
                         <a:buNone/>
                       </a:pPr>
                       <a:r>
-                        <a:rPr lang="en-US" altLang="zh-CN"/>
-                        <a:t>c</a:t>
+                        <a:rPr lang="zh-CN" altLang="en-US"/>
+                        <a:t>去年</a:t>
                       </a:r>
-                      <a:endParaRPr lang="en-US" altLang="zh-CN"/>
-                    </a:p>
-                  </a:txBody>
-                  <a:tcPr/>
-                </a:tc>
-                <a:tc>
-                  <a:txBody>
-                    <a:bodyPr/>
-                    <a:p>
-                      <a:pPr algn="r">
-                        <a:buNone/>
-                      </a:pPr>
-                      <a:r>
-                        <a:rPr lang="en-US" altLang="zh-CN"/>
-                        <a:t>d</a:t>
-                      </a:r>
-                      <a:endParaRPr lang="en-US" altLang="zh-CN"/>
-                    </a:p>
-                  </a:txBody>
-                  <a:tcPr/>
-                </a:tc>
-                <a:tc>
-                  <a:txBody>
-                    <a:bodyPr/>
-                    <a:p>
-                      <a:pPr algn="r">
-                        <a:buNone/>
-                      </a:pPr>
-                      <a:r>
-                        <a:rPr lang="en-US" altLang="zh-CN"/>
-                        <a:t>e</a:t>
-                      </a:r>
-                      <a:endParaRPr lang="en-US" altLang="zh-CN"/>
-                    </a:p>
-                  </a:txBody>
-                  <a:tcPr/>
-                </a:tc>
-                <a:tc>
-                  <a:txBody>
-                    <a:bodyPr/>
-                    <a:p>
-                      <a:pPr algn="r">
-                        <a:buNone/>
-                      </a:pPr>
-                      <a:r>
-                        <a:rPr lang="en-US" altLang="zh-CN"/>
-                        <a:t>f</a:t>
-                      </a:r>
-                      <a:endParaRPr lang="en-US" altLang="zh-CN"/>
-                    </a:p>
-                  </a:txBody>
-                  <a:tcPr/>
-                </a:tc>
-              </a:tr>
-              <a:tr h="381000">
-                <a:tc>
-                  <a:txBody>
-                    <a:bodyPr/>
-                    <a:p>
-                      <a:pPr>
-                        <a:buNone/>
-                      </a:pPr>
-                      <a:r>
-                        <a:rPr lang="en-US" altLang="zh-CN"/>
-                        <a:t>a1</a:t>
-                      </a:r>
-                      <a:endParaRPr lang="en-US" altLang="zh-CN"/>
-                    </a:p>
-                  </a:txBody>
-                  <a:tcPr/>
-                </a:tc>
-                <a:tc>
-                  <a:txBody>
-                    <a:bodyPr/>
-                    <a:p>
-                      <a:pPr>
-                        <a:buNone/>
-                      </a:pPr>
-                      <a:r>
-                        <a:rPr lang="en-US" altLang="zh-CN"/>
-                        <a:t>b1</a:t>
-                      </a:r>
-                      <a:endParaRPr lang="en-US" altLang="zh-CN"/>
-                    </a:p>
-                  </a:txBody>
-                  <a:tcPr/>
-                </a:tc>
-                <a:tc>
-                  <a:txBody>
-                    <a:bodyPr/>
-                    <a:p>
-                      <a:pPr>
-                        <a:buNone/>
-                      </a:pPr>
                       <a:endParaRPr lang="zh-CN" altLang="en-US"/>
                     </a:p>
                   </a:txBody>
@@ -3248,64 +3152,16 @@
                         <a:buNone/>
                       </a:pPr>
                       <a:r>
-                        <a:rPr lang="en-US" altLang="zh-CN" b="1">
-                          <a:solidFill>
-                            <a:srgbClr val="FF0000"/>
-                          </a:solidFill>
-                        </a:rPr>
-                        <a:t>d1</a:t>
+                        <a:rPr lang="zh-CN" altLang="en-US"/>
+                        <a:t>今年</a:t>
                       </a:r>
-                      <a:endParaRPr lang="en-US" altLang="zh-CN" b="1">
-                        <a:solidFill>
-                          <a:srgbClr val="FF0000"/>
-                        </a:solidFill>
-                      </a:endParaRPr>
-                    </a:p>
-                  </a:txBody>
-                  <a:tcPr/>
-                </a:tc>
-                <a:tc>
-                  <a:txBody>
-                    <a:bodyPr/>
-                    <a:p>
-                      <a:pPr algn="r">
-                        <a:buNone/>
-                      </a:pPr>
-                      <a:endParaRPr lang="zh-CN" altLang="en-US" b="1">
-                        <a:solidFill>
-                          <a:srgbClr val="FF0000"/>
-                        </a:solidFill>
-                      </a:endParaRPr>
-                    </a:p>
-                  </a:txBody>
-                  <a:tcPr/>
-                </a:tc>
-                <a:tc>
-                  <a:txBody>
-                    <a:bodyPr/>
-                    <a:p>
-                      <a:pPr algn="r">
-                        <a:buNone/>
-                      </a:pPr>
-                      <a:r>
-                        <a:rPr lang="en-US" altLang="zh-CN" b="1">
-                          <a:solidFill>
-                            <a:srgbClr val="FF0000"/>
-                          </a:solidFill>
-                        </a:rPr>
-                        <a:t>f1</a:t>
-                      </a:r>
-                      <a:endParaRPr lang="en-US" altLang="zh-CN" b="1">
-                        <a:solidFill>
-                          <a:srgbClr val="FF0000"/>
-                        </a:solidFill>
-                      </a:endParaRPr>
+                      <a:endParaRPr lang="zh-CN" altLang="en-US"/>
                     </a:p>
                   </a:txBody>
                   <a:tcPr/>
                 </a:tc>
               </a:tr>
-              <a:tr h="381000">
+              <a:tr h="556260">
                 <a:tc>
                   <a:txBody>
                     <a:bodyPr/>
@@ -3313,230 +3169,6 @@
                       <a:pPr>
                         <a:buNone/>
                       </a:pPr>
-                      <a:r>
-                        <a:rPr lang="en-US" altLang="zh-CN"/>
-                        <a:t>a2</a:t>
-                      </a:r>
-                      <a:endParaRPr lang="en-US" altLang="zh-CN"/>
-                    </a:p>
-                  </a:txBody>
-                  <a:tcPr/>
-                </a:tc>
-                <a:tc>
-                  <a:txBody>
-                    <a:bodyPr/>
-                    <a:p>
-                      <a:pPr>
-                        <a:buNone/>
-                      </a:pPr>
-                      <a:r>
-                        <a:rPr lang="en-US" altLang="zh-CN"/>
-                        <a:t>b2</a:t>
-                      </a:r>
-                      <a:endParaRPr lang="en-US" altLang="zh-CN"/>
-                    </a:p>
-                  </a:txBody>
-                  <a:tcPr/>
-                </a:tc>
-                <a:tc>
-                  <a:txBody>
-                    <a:bodyPr/>
-                    <a:p>
-                      <a:pPr>
-                        <a:buNone/>
-                      </a:pPr>
-                      <a:endParaRPr lang="zh-CN" altLang="en-US"/>
-                    </a:p>
-                  </a:txBody>
-                  <a:tcPr/>
-                </a:tc>
-                <a:tc>
-                  <a:txBody>
-                    <a:bodyPr/>
-                    <a:p>
-                      <a:pPr algn="r">
-                        <a:buNone/>
-                      </a:pPr>
-                      <a:r>
-                        <a:rPr lang="en-US" altLang="zh-CN" b="1">
-                          <a:solidFill>
-                            <a:srgbClr val="FF0000"/>
-                          </a:solidFill>
-                        </a:rPr>
-                        <a:t>d2</a:t>
-                      </a:r>
-                      <a:endParaRPr lang="en-US" altLang="zh-CN" b="1">
-                        <a:solidFill>
-                          <a:srgbClr val="FF0000"/>
-                        </a:solidFill>
-                      </a:endParaRPr>
-                    </a:p>
-                  </a:txBody>
-                  <a:tcPr/>
-                </a:tc>
-                <a:tc>
-                  <a:txBody>
-                    <a:bodyPr/>
-                    <a:p>
-                      <a:pPr algn="r">
-                        <a:buNone/>
-                      </a:pPr>
-                      <a:endParaRPr lang="zh-CN" altLang="en-US" b="1">
-                        <a:solidFill>
-                          <a:srgbClr val="FF0000"/>
-                        </a:solidFill>
-                      </a:endParaRPr>
-                    </a:p>
-                  </a:txBody>
-                  <a:tcPr/>
-                </a:tc>
-                <a:tc>
-                  <a:txBody>
-                    <a:bodyPr/>
-                    <a:p>
-                      <a:pPr algn="r">
-                        <a:buNone/>
-                      </a:pPr>
-                      <a:r>
-                        <a:rPr lang="en-US" altLang="zh-CN" b="1">
-                          <a:solidFill>
-                            <a:srgbClr val="FF0000"/>
-                          </a:solidFill>
-                        </a:rPr>
-                        <a:t>f2</a:t>
-                      </a:r>
-                      <a:endParaRPr lang="en-US" altLang="zh-CN" b="1">
-                        <a:solidFill>
-                          <a:srgbClr val="FF0000"/>
-                        </a:solidFill>
-                      </a:endParaRPr>
-                    </a:p>
-                  </a:txBody>
-                  <a:tcPr/>
-                </a:tc>
-              </a:tr>
-              <a:tr h="381000">
-                <a:tc>
-                  <a:txBody>
-                    <a:bodyPr/>
-                    <a:p>
-                      <a:pPr>
-                        <a:buNone/>
-                      </a:pPr>
-                      <a:r>
-                        <a:rPr lang="en-US" altLang="zh-CN"/>
-                        <a:t>a3</a:t>
-                      </a:r>
-                      <a:endParaRPr lang="en-US" altLang="zh-CN"/>
-                    </a:p>
-                  </a:txBody>
-                  <a:tcPr/>
-                </a:tc>
-                <a:tc>
-                  <a:txBody>
-                    <a:bodyPr/>
-                    <a:p>
-                      <a:pPr>
-                        <a:buNone/>
-                      </a:pPr>
-                      <a:r>
-                        <a:rPr lang="en-US" altLang="zh-CN"/>
-                        <a:t>b3</a:t>
-                      </a:r>
-                      <a:endParaRPr lang="en-US" altLang="zh-CN"/>
-                    </a:p>
-                  </a:txBody>
-                  <a:tcPr/>
-                </a:tc>
-                <a:tc>
-                  <a:txBody>
-                    <a:bodyPr/>
-                    <a:p>
-                      <a:pPr>
-                        <a:buNone/>
-                      </a:pPr>
-                      <a:endParaRPr lang="zh-CN" altLang="en-US"/>
-                    </a:p>
-                  </a:txBody>
-                  <a:tcPr/>
-                </a:tc>
-                <a:tc>
-                  <a:txBody>
-                    <a:bodyPr/>
-                    <a:p>
-                      <a:pPr algn="r">
-                        <a:buNone/>
-                      </a:pPr>
-                      <a:r>
-                        <a:rPr lang="en-US" altLang="zh-CN" b="1">
-                          <a:solidFill>
-                            <a:srgbClr val="FF0000"/>
-                          </a:solidFill>
-                        </a:rPr>
-                        <a:t>d3</a:t>
-                      </a:r>
-                      <a:endParaRPr lang="en-US" altLang="zh-CN" b="1">
-                        <a:solidFill>
-                          <a:srgbClr val="FF0000"/>
-                        </a:solidFill>
-                      </a:endParaRPr>
-                    </a:p>
-                  </a:txBody>
-                  <a:tcPr/>
-                </a:tc>
-                <a:tc>
-                  <a:txBody>
-                    <a:bodyPr/>
-                    <a:p>
-                      <a:pPr algn="r">
-                        <a:buNone/>
-                      </a:pPr>
-                      <a:endParaRPr lang="zh-CN" altLang="en-US" b="1">
-                        <a:solidFill>
-                          <a:srgbClr val="FF0000"/>
-                        </a:solidFill>
-                      </a:endParaRPr>
-                    </a:p>
-                  </a:txBody>
-                  <a:tcPr/>
-                </a:tc>
-                <a:tc>
-                  <a:txBody>
-                    <a:bodyPr/>
-                    <a:p>
-                      <a:pPr algn="r">
-                        <a:buNone/>
-                      </a:pPr>
-                      <a:r>
-                        <a:rPr lang="en-US" altLang="zh-CN" b="1">
-                          <a:solidFill>
-                            <a:srgbClr val="FF0000"/>
-                          </a:solidFill>
-                        </a:rPr>
-                        <a:t>f3</a:t>
-                      </a:r>
-                      <a:endParaRPr lang="en-US" altLang="zh-CN" b="1">
-                        <a:solidFill>
-                          <a:srgbClr val="FF0000"/>
-                        </a:solidFill>
-                      </a:endParaRPr>
-                    </a:p>
-                  </a:txBody>
-                  <a:tcPr/>
-                </a:tc>
-              </a:tr>
-              <a:tr h="381000">
-                <a:tc>
-                  <a:txBody>
-                    <a:bodyPr/>
-                    <a:p>
-                      <a:pPr>
-                        <a:buNone/>
-                      </a:pPr>
-                      <a:r>
-                        <a:rPr lang="en-US" altLang="zh-CN"/>
-                        <a:t>a4</a:t>
-                      </a:r>
                       <a:endParaRPr lang="en-US" altLang="zh-CN"/>
                     </a:p>
                   </a:txBody>
@@ -3573,46 +3205,6 @@
                       <a:pPr algn="r">
                         <a:buNone/>
                       </a:pPr>
-                      <a:r>
-                        <a:rPr lang="en-US" altLang="zh-CN" b="1">
-                          <a:solidFill>
-                            <a:srgbClr val="FF0000"/>
-                          </a:solidFill>
-                        </a:rPr>
-                        <a:t>d4</a:t>
-                      </a:r>
-                      <a:endParaRPr lang="en-US" altLang="zh-CN" b="1">
-                        <a:solidFill>
-                          <a:srgbClr val="FF0000"/>
-                        </a:solidFill>
-                      </a:endParaRPr>
-                    </a:p>
-                  </a:txBody>
-                  <a:tcPr/>
-                </a:tc>
-                <a:tc>
-                  <a:txBody>
-                    <a:bodyPr/>
-                    <a:p>
-                      <a:pPr algn="r">
-                        <a:buNone/>
-                      </a:pPr>
-                      <a:endParaRPr lang="zh-CN" altLang="en-US" b="1">
-                        <a:solidFill>
-                          <a:srgbClr val="FF0000"/>
-                        </a:solidFill>
-                      </a:endParaRPr>
-                    </a:p>
-                  </a:txBody>
-                  <a:tcPr/>
-                </a:tc>
-                <a:tc>
-                  <a:txBody>
-                    <a:bodyPr/>
-                    <a:p>
-                      <a:pPr algn="r">
-                        <a:buNone/>
-                      </a:pPr>
                       <a:endParaRPr lang="en-US" altLang="zh-CN" b="1">
                         <a:solidFill>
                           <a:srgbClr val="FF0000"/>
@@ -3623,7 +3215,7 @@
                   <a:tcPr/>
                 </a:tc>
               </a:tr>
-              <a:tr h="381000">
+              <a:tr h="556260">
                 <a:tc>
                   <a:txBody>
                     <a:bodyPr/>
@@ -3631,10 +3223,6 @@
                       <a:pPr>
                         <a:buNone/>
                       </a:pPr>
-                      <a:r>
-                        <a:rPr lang="en-US" altLang="zh-CN"/>
-                        <a:t>a5</a:t>
-                      </a:r>
                       <a:endParaRPr lang="en-US" altLang="zh-CN"/>
                     </a:p>
                   </a:txBody>
@@ -3671,14 +3259,6 @@
                       <a:pPr algn="r">
                         <a:buNone/>
                       </a:pPr>
-                      <a:r>
-                        <a:rPr lang="en-US" altLang="zh-CN" b="1">
-                          <a:solidFill>
-                            <a:srgbClr val="FF0000"/>
-                          </a:solidFill>
-                        </a:rPr>
-                        <a:t>d5</a:t>
-                      </a:r>
                       <a:endParaRPr lang="en-US" altLang="zh-CN" b="1">
                         <a:solidFill>
                           <a:srgbClr val="FF0000"/>
@@ -3688,18 +3268,40 @@
                   </a:txBody>
                   <a:tcPr/>
                 </a:tc>
+              </a:tr>
+              <a:tr h="556260">
                 <a:tc>
                   <a:txBody>
                     <a:bodyPr/>
                     <a:p>
-                      <a:pPr algn="r">
+                      <a:pPr>
                         <a:buNone/>
                       </a:pPr>
-                      <a:endParaRPr lang="zh-CN" altLang="en-US" b="1">
-                        <a:solidFill>
-                          <a:srgbClr val="FF0000"/>
-                        </a:solidFill>
-                      </a:endParaRPr>
+                      <a:endParaRPr lang="en-US" altLang="zh-CN"/>
+                    </a:p>
+                  </a:txBody>
+                  <a:tcPr/>
+                </a:tc>
+                <a:tc>
+                  <a:txBody>
+                    <a:bodyPr/>
+                    <a:p>
+                      <a:pPr>
+                        <a:buNone/>
+                      </a:pPr>
+                      <a:endParaRPr lang="en-US" altLang="zh-CN"/>
+                    </a:p>
+                  </a:txBody>
+                  <a:tcPr/>
+                </a:tc>
+                <a:tc>
+                  <a:txBody>
+                    <a:bodyPr/>
+                    <a:p>
+                      <a:pPr>
+                        <a:buNone/>
+                      </a:pPr>
+                      <a:endParaRPr lang="zh-CN" altLang="en-US"/>
                     </a:p>
                   </a:txBody>
                   <a:tcPr/>
@@ -3737,7 +3339,7 @@
         </p:nvGraphicFramePr>
         <p:xfrm>
           <a:off x="1191895" y="3392170"/>
-          <a:ext cx="8408670" cy="2293620"/>
+          <a:ext cx="6027420" cy="2268220"/>
         </p:xfrm>
         <a:graphic>
           <a:graphicData uri="http://schemas.openxmlformats.org/drawingml/2006/table">
@@ -3746,14 +3348,12 @@
                 <a:tableStyleId>{00A15C55-8517-42AA-B614-E9B94910E393}</a:tableStyleId>
               </a:tblPr>
               <a:tblGrid>
-                <a:gridCol w="1401445"/>
-                <a:gridCol w="1401445"/>
-                <a:gridCol w="1401445"/>
-                <a:gridCol w="1401445"/>
-                <a:gridCol w="1401445"/>
-                <a:gridCol w="1401445"/>
+                <a:gridCol w="1506855"/>
+                <a:gridCol w="1506855"/>
+                <a:gridCol w="1506855"/>
+                <a:gridCol w="1506855"/>
               </a:tblGrid>
-              <a:tr h="382270">
+              <a:tr h="567055">
                 <a:tc>
                   <a:txBody>
                     <a:bodyPr/>
@@ -3762,10 +3362,10 @@
                         <a:buNone/>
                       </a:pPr>
                       <a:r>
-                        <a:rPr lang="en-US" altLang="zh-CN"/>
-                        <a:t>A</a:t>
+                        <a:rPr lang="zh-CN" altLang="en-US"/>
+                        <a:t>商品</a:t>
                       </a:r>
-                      <a:endParaRPr lang="en-US" altLang="zh-CN"/>
+                      <a:endParaRPr lang="zh-CN" altLang="en-US"/>
                     </a:p>
                   </a:txBody>
                   <a:tcPr/>
@@ -3789,10 +3389,6 @@
                       <a:pPr>
                         <a:buNone/>
                       </a:pPr>
-                      <a:r>
-                        <a:rPr lang="en-US" altLang="zh-CN"/>
-                        <a:t>A2</a:t>
-                      </a:r>
                       <a:endParaRPr lang="en-US" altLang="zh-CN"/>
                     </a:p>
                   </a:txBody>
@@ -3814,40 +3410,8 @@
                   </a:txBody>
                   <a:tcPr/>
                 </a:tc>
-                <a:tc>
-                  <a:txBody>
-                    <a:bodyPr/>
-                    <a:p>
-                      <a:pPr algn="r">
-                        <a:buNone/>
-                      </a:pPr>
-                      <a:endParaRPr lang="en-US" altLang="zh-CN">
-                        <a:solidFill>
-                          <a:srgbClr val="FF0000"/>
-                        </a:solidFill>
-                      </a:endParaRPr>
-                    </a:p>
-                  </a:txBody>
-                  <a:tcPr/>
-                </a:tc>
-                <a:tc>
-                  <a:txBody>
-                    <a:bodyPr/>
-                    <a:p>
-                      <a:pPr algn="r">
-                        <a:buNone/>
-                      </a:pPr>
-                      <a:endParaRPr lang="en-US" altLang="zh-CN">
-                        <a:solidFill>
-                          <a:srgbClr val="FF0000"/>
-                        </a:solidFill>
-                      </a:endParaRPr>
-                    </a:p>
-                  </a:txBody>
-                  <a:tcPr/>
-                </a:tc>
               </a:tr>
-              <a:tr h="382270">
+              <a:tr h="567055">
                 <a:tc>
                   <a:txBody>
                     <a:bodyPr/>
@@ -3856,10 +3420,10 @@
                         <a:buNone/>
                       </a:pPr>
                       <a:r>
-                        <a:rPr lang="en-US" altLang="zh-CN"/>
-                        <a:t>B</a:t>
+                        <a:rPr lang="zh-CN" altLang="en-US"/>
+                        <a:t>前年</a:t>
                       </a:r>
-                      <a:endParaRPr lang="en-US" altLang="zh-CN"/>
+                      <a:endParaRPr lang="zh-CN" altLang="en-US"/>
                     </a:p>
                   </a:txBody>
                   <a:tcPr/>
@@ -3883,10 +3447,6 @@
                       <a:pPr>
                         <a:buNone/>
                       </a:pPr>
-                      <a:r>
-                        <a:rPr lang="en-US" altLang="zh-CN"/>
-                        <a:t>B2</a:t>
-                      </a:r>
                       <a:endParaRPr lang="en-US" altLang="zh-CN"/>
                     </a:p>
                   </a:txBody>
@@ -3908,40 +3468,8 @@
                   </a:txBody>
                   <a:tcPr/>
                 </a:tc>
-                <a:tc>
-                  <a:txBody>
-                    <a:bodyPr/>
-                    <a:p>
-                      <a:pPr algn="r">
-                        <a:buNone/>
-                      </a:pPr>
-                      <a:endParaRPr lang="zh-CN" altLang="en-US">
-                        <a:solidFill>
-                          <a:srgbClr val="FF0000"/>
-                        </a:solidFill>
-                      </a:endParaRPr>
-                    </a:p>
-                  </a:txBody>
-                  <a:tcPr/>
-                </a:tc>
-                <a:tc>
-                  <a:txBody>
-                    <a:bodyPr/>
-                    <a:p>
-                      <a:pPr algn="r">
-                        <a:buNone/>
-                      </a:pPr>
-                      <a:endParaRPr lang="zh-CN" altLang="en-US">
-                        <a:solidFill>
-                          <a:srgbClr val="FF0000"/>
-                        </a:solidFill>
-                      </a:endParaRPr>
-                    </a:p>
-                  </a:txBody>
-                  <a:tcPr/>
-                </a:tc>
               </a:tr>
-              <a:tr h="382270">
+              <a:tr h="567055">
                 <a:tc>
                   <a:txBody>
                     <a:bodyPr/>
@@ -3950,10 +3478,10 @@
                         <a:buNone/>
                       </a:pPr>
                       <a:r>
-                        <a:rPr lang="en-US" altLang="zh-CN"/>
-                        <a:t>C</a:t>
+                        <a:rPr lang="zh-CN" altLang="en-US"/>
+                        <a:t>去年</a:t>
                       </a:r>
-                      <a:endParaRPr lang="en-US" altLang="zh-CN"/>
+                      <a:endParaRPr lang="zh-CN" altLang="en-US"/>
                     </a:p>
                   </a:txBody>
                   <a:tcPr/>
@@ -3977,10 +3505,6 @@
                       <a:pPr>
                         <a:buNone/>
                       </a:pPr>
-                      <a:r>
-                        <a:rPr lang="en-US" altLang="zh-CN"/>
-                        <a:t>C2</a:t>
-                      </a:r>
                       <a:endParaRPr lang="en-US" altLang="zh-CN"/>
                     </a:p>
                   </a:txBody>
@@ -4002,40 +3526,8 @@
                   </a:txBody>
                   <a:tcPr/>
                 </a:tc>
-                <a:tc>
-                  <a:txBody>
-                    <a:bodyPr/>
-                    <a:p>
-                      <a:pPr algn="r">
-                        <a:buNone/>
-                      </a:pPr>
-                      <a:endParaRPr lang="zh-CN" altLang="en-US">
-                        <a:solidFill>
-                          <a:srgbClr val="FF0000"/>
-                        </a:solidFill>
-                      </a:endParaRPr>
-                    </a:p>
-                  </a:txBody>
-                  <a:tcPr/>
-                </a:tc>
-                <a:tc>
-                  <a:txBody>
-                    <a:bodyPr/>
-                    <a:p>
-                      <a:pPr algn="r">
-                        <a:buNone/>
-                      </a:pPr>
-                      <a:endParaRPr lang="zh-CN" altLang="en-US">
-                        <a:solidFill>
-                          <a:srgbClr val="FF0000"/>
-                        </a:solidFill>
-                      </a:endParaRPr>
-                    </a:p>
-                  </a:txBody>
-                  <a:tcPr/>
-                </a:tc>
               </a:tr>
-              <a:tr h="382270">
+              <a:tr h="567055">
                 <a:tc>
                   <a:txBody>
                     <a:bodyPr/>
@@ -4044,10 +3536,10 @@
                         <a:buNone/>
                       </a:pPr>
                       <a:r>
-                        <a:rPr lang="en-US" altLang="zh-CN"/>
-                        <a:t>D</a:t>
+                        <a:rPr lang="zh-CN" altLang="en-US"/>
+                        <a:t>今年</a:t>
                       </a:r>
-                      <a:endParaRPr lang="en-US" altLang="zh-CN"/>
+                      <a:endParaRPr lang="zh-CN" altLang="en-US"/>
                     </a:p>
                   </a:txBody>
                   <a:tcPr/>
@@ -4060,238 +3552,6 @@
                         <a:buNone/>
                       </a:pPr>
                       <a:endParaRPr lang="zh-CN" altLang="en-US"/>
-                    </a:p>
-                  </a:txBody>
-                  <a:tcPr/>
-                </a:tc>
-                <a:tc>
-                  <a:txBody>
-                    <a:bodyPr/>
-                    <a:p>
-                      <a:pPr algn="r">
-                        <a:buNone/>
-                      </a:pPr>
-                      <a:r>
-                        <a:rPr lang="en-US" altLang="zh-CN">
-                          <a:solidFill>
-                            <a:schemeClr val="accent6"/>
-                          </a:solidFill>
-                        </a:rPr>
-                        <a:t>D2</a:t>
-                      </a:r>
-                      <a:endParaRPr lang="en-US" altLang="zh-CN">
-                        <a:solidFill>
-                          <a:schemeClr val="accent6"/>
-                        </a:solidFill>
-                      </a:endParaRPr>
-                    </a:p>
-                  </a:txBody>
-                  <a:tcPr/>
-                </a:tc>
-                <a:tc>
-                  <a:txBody>
-                    <a:bodyPr/>
-                    <a:p>
-                      <a:pPr algn="r">
-                        <a:buNone/>
-                      </a:pPr>
-                      <a:endParaRPr lang="zh-CN" altLang="en-US">
-                        <a:solidFill>
-                          <a:schemeClr val="accent6"/>
-                        </a:solidFill>
-                      </a:endParaRPr>
-                    </a:p>
-                  </a:txBody>
-                  <a:tcPr/>
-                </a:tc>
-                <a:tc>
-                  <a:txBody>
-                    <a:bodyPr/>
-                    <a:p>
-                      <a:pPr algn="r">
-                        <a:buNone/>
-                      </a:pPr>
-                      <a:endParaRPr lang="zh-CN" altLang="en-US">
-                        <a:solidFill>
-                          <a:schemeClr val="accent6"/>
-                        </a:solidFill>
-                      </a:endParaRPr>
-                    </a:p>
-                  </a:txBody>
-                  <a:tcPr/>
-                </a:tc>
-                <a:tc>
-                  <a:txBody>
-                    <a:bodyPr/>
-                    <a:p>
-                      <a:pPr algn="r">
-                        <a:buNone/>
-                      </a:pPr>
-                      <a:endParaRPr lang="zh-CN" altLang="en-US">
-                        <a:solidFill>
-                          <a:schemeClr val="accent6"/>
-                        </a:solidFill>
-                      </a:endParaRPr>
-                    </a:p>
-                  </a:txBody>
-                  <a:tcPr/>
-                </a:tc>
-              </a:tr>
-              <a:tr h="382270">
-                <a:tc>
-                  <a:txBody>
-                    <a:bodyPr/>
-                    <a:p>
-                      <a:pPr>
-                        <a:buNone/>
-                      </a:pPr>
-                      <a:r>
-                        <a:rPr lang="en-US" altLang="zh-CN"/>
-                        <a:t>E</a:t>
-                      </a:r>
-                      <a:endParaRPr lang="en-US" altLang="zh-CN"/>
-                    </a:p>
-                  </a:txBody>
-                  <a:tcPr/>
-                </a:tc>
-                <a:tc>
-                  <a:txBody>
-                    <a:bodyPr/>
-                    <a:p>
-                      <a:pPr>
-                        <a:buNone/>
-                      </a:pPr>
-                      <a:endParaRPr lang="zh-CN" altLang="en-US"/>
-                    </a:p>
-                  </a:txBody>
-                  <a:tcPr/>
-                </a:tc>
-                <a:tc>
-                  <a:txBody>
-                    <a:bodyPr/>
-                    <a:p>
-                      <a:pPr algn="r">
-                        <a:buNone/>
-                      </a:pPr>
-                      <a:r>
-                        <a:rPr lang="en-US" altLang="zh-CN">
-                          <a:solidFill>
-                            <a:schemeClr val="accent6"/>
-                          </a:solidFill>
-                        </a:rPr>
-                        <a:t>E2</a:t>
-                      </a:r>
-                      <a:endParaRPr lang="en-US" altLang="zh-CN">
-                        <a:solidFill>
-                          <a:schemeClr val="accent6"/>
-                        </a:solidFill>
-                      </a:endParaRPr>
-                    </a:p>
-                  </a:txBody>
-                  <a:tcPr/>
-                </a:tc>
-                <a:tc>
-                  <a:txBody>
-                    <a:bodyPr/>
-                    <a:p>
-                      <a:pPr algn="r">
-                        <a:buNone/>
-                      </a:pPr>
-                      <a:endParaRPr lang="zh-CN" altLang="en-US">
-                        <a:solidFill>
-                          <a:schemeClr val="accent6"/>
-                        </a:solidFill>
-                      </a:endParaRPr>
-                    </a:p>
-                  </a:txBody>
-                  <a:tcPr/>
-                </a:tc>
-                <a:tc>
-                  <a:txBody>
-                    <a:bodyPr/>
-                    <a:p>
-                      <a:pPr algn="r">
-                        <a:buNone/>
-                      </a:pPr>
-                      <a:endParaRPr lang="zh-CN" altLang="en-US">
-                        <a:solidFill>
-                          <a:schemeClr val="accent6"/>
-                        </a:solidFill>
-                      </a:endParaRPr>
-                    </a:p>
-                  </a:txBody>
-                  <a:tcPr/>
-                </a:tc>
-                <a:tc>
-                  <a:txBody>
-                    <a:bodyPr/>
-                    <a:p>
-                      <a:pPr algn="r">
-                        <a:buNone/>
-                      </a:pPr>
-                      <a:endParaRPr lang="zh-CN" altLang="en-US">
-                        <a:solidFill>
-                          <a:schemeClr val="accent6"/>
-                        </a:solidFill>
-                      </a:endParaRPr>
-                    </a:p>
-                  </a:txBody>
-                  <a:tcPr/>
-                </a:tc>
-              </a:tr>
-              <a:tr h="382270">
-                <a:tc>
-                  <a:txBody>
-                    <a:bodyPr/>
-                    <a:p>
-                      <a:pPr>
-                        <a:buNone/>
-                      </a:pPr>
-                      <a:r>
-                        <a:rPr lang="en-US" altLang="zh-CN"/>
-                        <a:t>F</a:t>
-                      </a:r>
-                      <a:endParaRPr lang="en-US" altLang="zh-CN"/>
-                    </a:p>
-                  </a:txBody>
-                  <a:tcPr/>
-                </a:tc>
-                <a:tc>
-                  <a:txBody>
-                    <a:bodyPr/>
-                    <a:p>
-                      <a:pPr algn="ctr">
-                        <a:buNone/>
-                      </a:pPr>
-                      <a:endParaRPr lang="en-US" altLang="zh-CN">
-                        <a:solidFill>
-                          <a:srgbClr val="FF0000"/>
-                        </a:solidFill>
-                      </a:endParaRPr>
-                    </a:p>
-                  </a:txBody>
-                  <a:tcPr/>
-                </a:tc>
-                <a:tc>
-                  <a:txBody>
-                    <a:bodyPr/>
-                    <a:p>
-                      <a:pPr algn="r">
-                        <a:buNone/>
-                      </a:pPr>
-                      <a:r>
-                        <a:rPr lang="en-US" altLang="zh-CN">
-                          <a:solidFill>
-                            <a:schemeClr val="accent6"/>
-                          </a:solidFill>
-                        </a:rPr>
-                        <a:t>F2</a:t>
-                      </a:r>
-                      <a:endParaRPr lang="en-US" altLang="zh-CN">
-                        <a:solidFill>
-                          <a:schemeClr val="accent6"/>
-                        </a:solidFill>
-                      </a:endParaRPr>
                     </a:p>
                   </a:txBody>
                   <a:tcPr/>
@@ -4319,31 +3579,7 @@
                       <a:pPr algn="r">
                         <a:buNone/>
                       </a:pPr>
-                      <a:r>
-                        <a:rPr lang="en-US" altLang="zh-CN">
-                          <a:solidFill>
-                            <a:schemeClr val="accent6"/>
-                          </a:solidFill>
-                        </a:rPr>
-                        <a:t>F5</a:t>
-                      </a:r>
-                      <a:endParaRPr lang="en-US" altLang="zh-CN">
-                        <a:solidFill>
-                          <a:schemeClr val="accent6"/>
-                        </a:solidFill>
-                      </a:endParaRPr>
-                    </a:p>
-                  </a:txBody>
-                  <a:tcPr/>
-                </a:tc>
-                <a:tc>
-                  <a:txBody>
-                    <a:bodyPr/>
-                    <a:p>
-                      <a:pPr algn="r">
-                        <a:buNone/>
-                      </a:pPr>
-                      <a:endParaRPr lang="en-US" altLang="zh-CN">
+                      <a:endParaRPr lang="zh-CN" altLang="en-US">
                         <a:solidFill>
                           <a:schemeClr val="accent6"/>
                         </a:solidFill>
@@ -4357,6 +3593,160 @@
           </a:graphicData>
         </a:graphic>
       </p:graphicFrame>
+      <p:sp>
+        <p:nvSpPr>
+          <p:cNvPr id="3" name="文本框 2"/>
+          <p:cNvSpPr txBox="1"/>
+          <p:nvPr/>
+        </p:nvSpPr>
+        <p:spPr>
+          <a:xfrm>
+            <a:off x="7918450" y="365125"/>
+            <a:ext cx="2011680" cy="368300"/>
+          </a:xfrm>
+          <a:prstGeom prst="rect">
+            <a:avLst/>
+          </a:prstGeom>
+          <a:noFill/>
+        </p:spPr>
+        <p:txBody>
+          <a:bodyPr wrap="none" rtlCol="0">
+            <a:spAutoFit/>
+          </a:bodyPr>
+          <a:p>
+            <a:r>
+              <a:rPr lang="zh-CN" altLang="en-US"/>
+              <a:t>标题为静态的</a:t>
+            </a:r>
+            <a:r>
+              <a:rPr lang="zh-CN" altLang="en-US"/>
+              <a:t>文本</a:t>
+            </a:r>
+            <a:endParaRPr lang="zh-CN" altLang="en-US"/>
+          </a:p>
+        </p:txBody>
+      </p:sp>
+      <p:sp>
+        <p:nvSpPr>
+          <p:cNvPr id="5" name="文本框 4"/>
+          <p:cNvSpPr txBox="1"/>
+          <p:nvPr/>
+        </p:nvSpPr>
+        <p:spPr>
+          <a:xfrm>
+            <a:off x="7918450" y="3392170"/>
+            <a:ext cx="4119880" cy="2445385"/>
+          </a:xfrm>
+          <a:prstGeom prst="rect">
+            <a:avLst/>
+          </a:prstGeom>
+          <a:noFill/>
+        </p:spPr>
+        <p:txBody>
+          <a:bodyPr wrap="none" rtlCol="0">
+            <a:spAutoFit/>
+          </a:bodyPr>
+          <a:p>
+            <a:pPr algn="l">
+              <a:lnSpc>
+                <a:spcPct val="150000"/>
+              </a:lnSpc>
+            </a:pPr>
+            <a:r>
+              <a:rPr lang="zh-CN" altLang="en-US"/>
+              <a:t>标题为</a:t>
+            </a:r>
+            <a:r>
+              <a:rPr lang="zh-CN" altLang="en-US"/>
+              <a:t>动态的</a:t>
+            </a:r>
+            <a:r>
+              <a:rPr lang="zh-CN" altLang="en-US"/>
+              <a:t>文本。</a:t>
+            </a:r>
+            <a:endParaRPr lang="zh-CN" altLang="en-US"/>
+          </a:p>
+          <a:p>
+            <a:pPr algn="l">
+              <a:lnSpc>
+                <a:spcPct val="150000"/>
+              </a:lnSpc>
+            </a:pPr>
+            <a:r>
+              <a:rPr lang="zh-CN" altLang="en-US"/>
+              <a:t>根据实际年份（如今年是</a:t>
+            </a:r>
+            <a:r>
+              <a:rPr lang="en-US" altLang="zh-CN"/>
+              <a:t>2022</a:t>
+            </a:r>
+            <a:r>
+              <a:rPr lang="zh-CN" altLang="en-US"/>
+              <a:t>年）</a:t>
+            </a:r>
+            <a:r>
+              <a:rPr lang="zh-CN" altLang="en-US"/>
+              <a:t>替换</a:t>
+            </a:r>
+            <a:endParaRPr lang="zh-CN" altLang="en-US"/>
+          </a:p>
+          <a:p>
+            <a:pPr algn="l">
+              <a:lnSpc>
+                <a:spcPct val="150000"/>
+              </a:lnSpc>
+            </a:pPr>
+            <a:r>
+              <a:rPr lang="zh-CN" altLang="en-US"/>
+              <a:t>前年</a:t>
+            </a:r>
+            <a:r>
+              <a:rPr lang="en-US" altLang="zh-CN"/>
+              <a:t> ——&gt; 2020</a:t>
+            </a:r>
+            <a:endParaRPr lang="en-US" altLang="zh-CN"/>
+          </a:p>
+          <a:p>
+            <a:pPr algn="l">
+              <a:lnSpc>
+                <a:spcPct val="150000"/>
+              </a:lnSpc>
+            </a:pPr>
+            <a:r>
+              <a:rPr lang="zh-CN" altLang="en-US"/>
+              <a:t>去年</a:t>
+            </a:r>
+            <a:r>
+              <a:rPr lang="en-US" altLang="zh-CN">
+                <a:sym typeface="+mn-ea"/>
+              </a:rPr>
+              <a:t> ——&gt; 2021</a:t>
+            </a:r>
+            <a:endParaRPr lang="en-US" altLang="zh-CN"/>
+          </a:p>
+          <a:p>
+            <a:pPr algn="l">
+              <a:lnSpc>
+                <a:spcPct val="150000"/>
+              </a:lnSpc>
+            </a:pPr>
+            <a:r>
+              <a:rPr lang="zh-CN" altLang="en-US"/>
+              <a:t>今年</a:t>
+            </a:r>
+            <a:r>
+              <a:rPr lang="en-US" altLang="zh-CN">
+                <a:sym typeface="+mn-ea"/>
+              </a:rPr>
+              <a:t> ——&gt; 2022</a:t>
+            </a:r>
+            <a:endParaRPr lang="zh-CN" altLang="en-US"/>
+          </a:p>
+          <a:p>
+            <a:endParaRPr lang="zh-CN" altLang="en-US"/>
+          </a:p>
+        </p:txBody>
+      </p:sp>
     </p:spTree>
     <p:custDataLst>
       <p:tags r:id="rId3"/>
@@ -5143,14 +4533,16 @@
 <file path=ppt/tags/tag63.xml><?xml version="1.0" encoding="utf-8"?>
 <p:tagLst xmlns:p="http://schemas.openxmlformats.org/presentationml/2006/main">
   <p:tag name="KSO_WM_UNIT_TABLE_BEAUTIFY" val="smartTable{cca43c1d-ab50-408d-b206-7c28b5a03b37}"/>
+  <p:tag name="TABLE_ENDDRAG_ORIGIN_RECT" val="478*175"/>
+  <p:tag name="TABLE_ENDDRAG_RECT" val="89*28*478*175"/>
 </p:tagLst>
 </file>
 
 <file path=ppt/tags/tag64.xml><?xml version="1.0" encoding="utf-8"?>
 <p:tagLst xmlns:p="http://schemas.openxmlformats.org/presentationml/2006/main">
   <p:tag name="KSO_WM_UNIT_TABLE_BEAUTIFY" val="smartTable{b5d9fb34-043d-4300-8bf1-0ad0494fc549}"/>
-  <p:tag name="TABLE_ENDDRAG_ORIGIN_RECT" val="661*180"/>
-  <p:tag name="TABLE_ENDDRAG_RECT" val="93*267*661*180"/>
+  <p:tag name="TABLE_ENDDRAG_ORIGIN_RECT" val="474*178"/>
+  <p:tag name="TABLE_ENDDRAG_RECT" val="93*267*474*178"/>
 </p:tagLst>
 </file>
 
@@ -5177,7 +4569,7 @@
 
 <file path=ppt/tags/tag66.xml><?xml version="1.0" encoding="utf-8"?>
 <p:tagLst xmlns:p="http://schemas.openxmlformats.org/presentationml/2006/main">
-  <p:tag name="COMMONDATA" val="eyJoZGlkIjoiYjBiNDk5NDhjYTE0ZDkzNWI1ODg5ZmM3NWQwODVjMDAifQ=="/>
+  <p:tag name="COMMONDATA" val="eyJoZGlkIjoiMmYyM2FkNjIwN2U1MjdmZWY0NjVjYTUzNDNlYzlhZmEifQ=="/>
 </p:tagLst>
 </file>
 

--- a/src/test/resources/table.pptx
+++ b/src/test/resources/table.pptx
@@ -3071,7 +3071,7 @@
       </p:grpSpPr>
       <p:graphicFrame>
         <p:nvGraphicFramePr>
-          <p:cNvPr id="4" name="表格 3" descr="#{ #tableA }"/>
+          <p:cNvPr id="4" name="表格 3" descr="#tableA"/>
           <p:cNvGraphicFramePr/>
           <p:nvPr>
             <p:custDataLst>
@@ -3329,7 +3329,7 @@
       </p:graphicFrame>
       <p:graphicFrame>
         <p:nvGraphicFramePr>
-          <p:cNvPr id="2" name="表格 1" descr="#{ #tableB }"/>
+          <p:cNvPr id="2" name="表格 1" descr="#tableB"/>
           <p:cNvGraphicFramePr/>
           <p:nvPr>
             <p:custDataLst>
